--- a/DigitalImageFundamentals.pptx
+++ b/DigitalImageFundamentals.pptx
@@ -158,6 +158,9 @@
           </p14:sldIdLst>
         </p14:section>
       </p14:sectionLst>
+    </p:ext>
+    <p:ext uri="{EFAFB233-063F-42B5-8137-9DF3F51BA10A}">
+      <p15:sldGuideLst xmlns:p15="http://schemas.microsoft.com/office/powerpoint/2012/main"/>
     </p:ext>
   </p:extLst>
 </p:presentation>
@@ -5812,7 +5815,7 @@
         </p:nvSpPr>
         <p:spPr>
           <a:xfrm>
-            <a:off x="838200" y="365126"/>
+            <a:off x="385916" y="364460"/>
             <a:ext cx="10515600" cy="677094"/>
           </a:xfrm>
         </p:spPr>
@@ -5869,7 +5872,7 @@
               <a:t>In digital imaging, a pixel (abbreviated </a:t>
             </a:r>
             <a:r>
-              <a:rPr lang="en-US" sz="2200" b="1" i="0" dirty="0" err="1">
+              <a:rPr lang="en-US" sz="2200" b="1" i="0" dirty="0">
                 <a:solidFill>
                   <a:srgbClr val="202122"/>
                 </a:solidFill>
@@ -6138,7 +6141,7 @@
         </p:nvSpPr>
         <p:spPr>
           <a:xfrm>
-            <a:off x="838200" y="365126"/>
+            <a:off x="553064" y="345462"/>
             <a:ext cx="10515600" cy="962230"/>
           </a:xfrm>
         </p:spPr>
@@ -6306,7 +6309,7 @@
         </p:nvSpPr>
         <p:spPr>
           <a:xfrm>
-            <a:off x="838200" y="365126"/>
+            <a:off x="454742" y="227475"/>
             <a:ext cx="10515600" cy="962230"/>
           </a:xfrm>
         </p:spPr>
@@ -6559,7 +6562,7 @@
         </p:nvSpPr>
         <p:spPr>
           <a:xfrm>
-            <a:off x="838200" y="365126"/>
+            <a:off x="572729" y="256971"/>
             <a:ext cx="10515600" cy="962230"/>
           </a:xfrm>
         </p:spPr>
